--- a/pre/mid_term pre.pptx
+++ b/pre/mid_term pre.pptx
@@ -1575,8 +1575,8 @@
         </p:nvSpPr>
         <p:spPr>
           <a:xfrm>
-            <a:off x="1701700" y="5056739"/>
-            <a:ext cx="3471110" cy="923330"/>
+            <a:off x="607695" y="5330825"/>
+            <a:ext cx="5626735" cy="645160"/>
           </a:xfrm>
           <a:prstGeom prst="rect">
             <a:avLst/>
